--- a/slides.pptx
+++ b/slides.pptx
@@ -10229,14 +10229,14 @@
       </p:sp>
       <p:sp>
         <p:nvSpPr>
-          <p:cNvPr id="276" name="80.03%"/>
+          <p:cNvPr id="276" name="80.31%"/>
           <p:cNvSpPr txBox="1"/>
           <p:nvPr/>
         </p:nvSpPr>
         <p:spPr>
           <a:xfrm>
-            <a:off x="10142101" y="9708222"/>
-            <a:ext cx="4168827" cy="1717676"/>
+            <a:off x="10308230" y="9708222"/>
+            <a:ext cx="3836569" cy="1717676"/>
           </a:xfrm>
           <a:prstGeom prst="rect">
             <a:avLst/>
@@ -10267,7 +10267,7 @@
           <a:p>
             <a:pPr/>
             <a:r>
-              <a:t>80.03%</a:t>
+              <a:t>80.31%</a:t>
             </a:r>
           </a:p>
         </p:txBody>

--- a/slides.pptx
+++ b/slides.pptx
@@ -13625,14 +13625,14 @@
       </p:sp>
       <p:sp>
         <p:nvSpPr>
-          <p:cNvPr id="173" name="- many ingredients have multiple names: ’finely chopped onion’ &amp; ‘diced onions’ &amp; ‘onions’…"/>
+          <p:cNvPr id="173" name="- some ingredients have multiple names: ’finely chopped onion’ &amp; ‘diced onions’ &amp; ‘onions’…"/>
           <p:cNvSpPr txBox="1"/>
           <p:nvPr/>
         </p:nvSpPr>
         <p:spPr>
           <a:xfrm>
-            <a:off x="2002171" y="5623803"/>
-            <a:ext cx="10497135" cy="4076503"/>
+            <a:off x="1242397" y="5528831"/>
+            <a:ext cx="10496196" cy="4076503"/>
           </a:xfrm>
           <a:prstGeom prst="rect">
             <a:avLst/>
@@ -13664,46 +13664,38 @@
               </a:defRPr>
             </a:pPr>
             <a:r>
-              <a:t>- many ingredients have multiple names:</a:t>
+              <a:t>- some ingredients have multiple names:</a:t>
             </a:r>
             <a:br/>
             <a:r>
-              <a:rPr>
-                <a:solidFill>
-                  <a:srgbClr val="9E9E9E"/>
-                </a:solidFill>
-              </a:rPr>
-              <a:t>’finely chopped onion</a:t>
-            </a:r>
-            <a:r>
-              <a:rPr>
-                <a:solidFill>
-                  <a:srgbClr val="9E9E9E"/>
-                </a:solidFill>
-              </a:rPr>
               <a:t>’</a:t>
             </a:r>
             <a:r>
+              <a:rPr u="sng"/>
+              <a:t>finely chopped onion</a:t>
+            </a:r>
+            <a:r>
+              <a:t>’</a:t>
+            </a:r>
+            <a:r>
               <a:t> &amp; </a:t>
             </a:r>
             <a:r>
-              <a:rPr>
-                <a:solidFill>
-                  <a:srgbClr val="9E9E9E"/>
-                </a:solidFill>
-              </a:rPr>
-              <a:t>‘diced onions’ </a:t>
-            </a:r>
-            <a:r>
-              <a:t>&amp;</a:t>
-            </a:r>
-            <a:r>
-              <a:rPr>
-                <a:solidFill>
-                  <a:srgbClr val="9E9E9E"/>
-                </a:solidFill>
-              </a:rPr>
-              <a:t> ‘onions’</a:t>
+              <a:t>‘</a:t>
+            </a:r>
+            <a:r>
+              <a:rPr u="sng"/>
+              <a:t>diced onions</a:t>
+            </a:r>
+            <a:r>
+              <a:t>’ &amp; ‘</a:t>
+            </a:r>
+            <a:r>
+              <a:rPr u="sng"/>
+              <a:t>onions</a:t>
+            </a:r>
+            <a:r>
+              <a:t>’</a:t>
             </a:r>
           </a:p>
           <a:p>
@@ -13719,7 +13711,7 @@
               </a:defRPr>
             </a:pPr>
             <a:r>
-              <a:t>- computer views them as two distinct ingredients </a:t>
+              <a:t>- computers view them as two distinct ingredients </a:t>
             </a:r>
           </a:p>
           <a:p>
@@ -13791,7 +13783,7 @@
         </p:nvSpPr>
         <p:spPr>
           <a:xfrm>
-            <a:off x="3133433" y="10013864"/>
+            <a:off x="1281484" y="9752692"/>
             <a:ext cx="7556883" cy="2753739"/>
           </a:xfrm>
           <a:prstGeom prst="rect">
@@ -13812,7 +13804,7 @@
           </a:bodyPr>
           <a:lstStyle/>
           <a:p>
-            <a:pPr>
+            <a:pPr algn="l">
               <a:lnSpc>
                 <a:spcPct val="120000"/>
               </a:lnSpc>
@@ -13885,8 +13877,8 @@
         </p:nvSpPr>
         <p:spPr>
           <a:xfrm>
-            <a:off x="6911874" y="11549133"/>
-            <a:ext cx="1" cy="326550"/>
+            <a:off x="5059925" y="11287960"/>
+            <a:ext cx="1" cy="326551"/>
           </a:xfrm>
           <a:prstGeom prst="line">
             <a:avLst/>
@@ -13978,8 +13970,8 @@
         </p:nvSpPr>
         <p:spPr>
           <a:xfrm>
-            <a:off x="14637083" y="5389562"/>
-            <a:ext cx="7709218" cy="701676"/>
+            <a:off x="14019766" y="5401566"/>
+            <a:ext cx="7709219" cy="701676"/>
           </a:xfrm>
           <a:prstGeom prst="rect">
             <a:avLst/>
@@ -14023,8 +14015,8 @@
         </p:nvSpPr>
         <p:spPr>
           <a:xfrm>
-            <a:off x="15072708" y="6966856"/>
-            <a:ext cx="6475173" cy="2753739"/>
+            <a:off x="13980533" y="6765174"/>
+            <a:ext cx="6475173" cy="2753738"/>
           </a:xfrm>
           <a:prstGeom prst="rect">
             <a:avLst/>
@@ -14044,7 +14036,7 @@
           </a:bodyPr>
           <a:lstStyle/>
           <a:p>
-            <a:pPr>
+            <a:pPr algn="l">
               <a:lnSpc>
                 <a:spcPct val="120000"/>
               </a:lnSpc>
@@ -14117,8 +14109,8 @@
         </p:nvSpPr>
         <p:spPr>
           <a:xfrm>
-            <a:off x="18310294" y="8489608"/>
-            <a:ext cx="1" cy="326550"/>
+            <a:off x="17218119" y="8287925"/>
+            <a:ext cx="1" cy="326551"/>
           </a:xfrm>
           <a:prstGeom prst="line">
             <a:avLst/>
@@ -14265,7 +14257,7 @@
         </p:nvSpPr>
         <p:spPr>
           <a:xfrm>
-            <a:off x="1990654" y="5138085"/>
+            <a:off x="1966911" y="4520769"/>
             <a:ext cx="5678196" cy="815976"/>
           </a:xfrm>
           <a:prstGeom prst="rect">
@@ -14316,7 +14308,7 @@
         </p:nvSpPr>
         <p:spPr>
           <a:xfrm>
-            <a:off x="2049657" y="6113462"/>
+            <a:off x="2025914" y="5496146"/>
             <a:ext cx="10020631" cy="1489076"/>
           </a:xfrm>
           <a:prstGeom prst="rect">
@@ -14363,7 +14355,7 @@
         </p:nvSpPr>
         <p:spPr>
           <a:xfrm>
-            <a:off x="13522429" y="5138085"/>
+            <a:off x="13498686" y="4520769"/>
             <a:ext cx="4485158" cy="815976"/>
           </a:xfrm>
           <a:prstGeom prst="rect">
@@ -14420,7 +14412,7 @@
         </p:nvSpPr>
         <p:spPr>
           <a:xfrm>
-            <a:off x="13572046" y="6066200"/>
+            <a:off x="13548303" y="5448883"/>
             <a:ext cx="10115627" cy="2162176"/>
           </a:xfrm>
           <a:prstGeom prst="rect">
@@ -14468,8 +14460,8 @@
         </p:nvSpPr>
         <p:spPr>
           <a:xfrm>
-            <a:off x="3501942" y="8914714"/>
-            <a:ext cx="7550539" cy="825104"/>
+            <a:off x="3478199" y="8297397"/>
+            <a:ext cx="7550539" cy="825105"/>
           </a:xfrm>
           <a:prstGeom prst="rect">
             <a:avLst/>
@@ -14513,8 +14505,8 @@
         </p:nvSpPr>
         <p:spPr>
           <a:xfrm>
-            <a:off x="14171144" y="8462005"/>
-            <a:ext cx="8724110" cy="2451499"/>
+            <a:off x="14147401" y="7844689"/>
+            <a:ext cx="8724111" cy="2451499"/>
           </a:xfrm>
           <a:prstGeom prst="rect">
             <a:avLst/>
@@ -14741,7 +14733,7 @@
         </p:nvSpPr>
         <p:spPr>
           <a:xfrm>
-            <a:off x="1733480" y="5820943"/>
+            <a:off x="1733480" y="5706048"/>
             <a:ext cx="10134666" cy="3405943"/>
           </a:xfrm>
           <a:prstGeom prst="rect">
@@ -14879,8 +14871,8 @@
         </p:nvSpPr>
         <p:spPr>
           <a:xfrm>
-            <a:off x="3451346" y="9632316"/>
-            <a:ext cx="6698933" cy="2731712"/>
+            <a:off x="1670625" y="9576266"/>
+            <a:ext cx="6698934" cy="2731712"/>
           </a:xfrm>
           <a:prstGeom prst="rect">
             <a:avLst/>
@@ -14900,7 +14892,7 @@
           </a:bodyPr>
           <a:lstStyle/>
           <a:p>
-            <a:pPr>
+            <a:pPr algn="l">
               <a:lnSpc>
                 <a:spcPct val="120000"/>
               </a:lnSpc>
@@ -14973,8 +14965,8 @@
         </p:nvSpPr>
         <p:spPr>
           <a:xfrm>
-            <a:off x="13470434" y="4425797"/>
-            <a:ext cx="5687137" cy="815976"/>
+            <a:off x="13327976" y="4425797"/>
+            <a:ext cx="5687138" cy="815976"/>
           </a:xfrm>
           <a:prstGeom prst="rect">
             <a:avLst/>
@@ -15018,14 +15010,14 @@
       </p:sp>
       <p:sp>
         <p:nvSpPr>
-          <p:cNvPr id="196" name="- words that appear less then 3 times  are removed from the ingredients,  as their occurence does not provide  enough prove to tell it discriminates one  dish from another"/>
+          <p:cNvPr id="196" name="- words that appear less then 3 times are removed from the ingredients, as their  occurence does not provide proof of distinctness between classes"/>
           <p:cNvSpPr txBox="1"/>
           <p:nvPr/>
         </p:nvSpPr>
         <p:spPr>
           <a:xfrm>
-            <a:off x="13512974" y="5831956"/>
-            <a:ext cx="8337475" cy="3383916"/>
+            <a:off x="13204316" y="5706048"/>
+            <a:ext cx="10134666" cy="2713356"/>
           </a:xfrm>
           <a:prstGeom prst="rect">
             <a:avLst/>
@@ -15040,7 +15032,7 @@
           </a:extLst>
         </p:spPr>
         <p:txBody>
-          <a:bodyPr wrap="none" lIns="71437" tIns="71437" rIns="71437" bIns="71437" anchor="ctr">
+          <a:bodyPr lIns="71437" tIns="71437" rIns="71437" bIns="71437" anchor="ctr">
             <a:spAutoFit/>
           </a:bodyPr>
           <a:lstStyle/>
@@ -15064,23 +15056,11 @@
               <a:t>less then 3 times</a:t>
             </a:r>
             <a:r>
-              <a:t> </a:t>
+              <a:t> are removed from the ingredients, as their </a:t>
             </a:r>
             <a:br/>
             <a:r>
-              <a:t>are removed from the ingredients, </a:t>
-            </a:r>
-            <a:br/>
-            <a:r>
-              <a:t>as their occurence does not provide </a:t>
-            </a:r>
-            <a:br/>
-            <a:r>
-              <a:t>enough prove to tell it discriminates one </a:t>
-            </a:r>
-            <a:br/>
-            <a:r>
-              <a:t>dish from another</a:t>
+              <a:t>occurence does not provide proof of distinctness between classes</a:t>
             </a:r>
           </a:p>
         </p:txBody>
@@ -15093,7 +15073,7 @@
         </p:nvSpPr>
         <p:spPr>
           <a:xfrm>
-            <a:off x="6800812" y="11157912"/>
+            <a:off x="5020091" y="11157912"/>
             <a:ext cx="1" cy="326551"/>
           </a:xfrm>
           <a:prstGeom prst="line">
@@ -15133,7 +15113,7 @@
         </p:nvSpPr>
         <p:spPr>
           <a:xfrm>
-            <a:off x="13372004" y="10029402"/>
+            <a:off x="13182060" y="9208430"/>
             <a:ext cx="8619415" cy="701676"/>
           </a:xfrm>
           <a:prstGeom prst="rect">
@@ -15184,8 +15164,8 @@
         </p:nvSpPr>
         <p:spPr>
           <a:xfrm>
-            <a:off x="13106014" y="10945997"/>
-            <a:ext cx="9725955" cy="1799591"/>
+            <a:off x="12916070" y="10042326"/>
+            <a:ext cx="9725956" cy="1799592"/>
           </a:xfrm>
           <a:prstGeom prst="rect">
             <a:avLst/>

--- a/slides.pptx
+++ b/slides.pptx
@@ -3190,8 +3190,8 @@
         </p:nvSpPr>
         <p:spPr>
           <a:xfrm>
-            <a:off x="21160820" y="12781401"/>
-            <a:ext cx="2741905" cy="625476"/>
+            <a:off x="21160819" y="12781401"/>
+            <a:ext cx="2741906" cy="625476"/>
           </a:xfrm>
           <a:prstGeom prst="rect">
             <a:avLst/>
@@ -3417,8 +3417,8 @@
         </p:nvSpPr>
         <p:spPr>
           <a:xfrm>
-            <a:off x="1337643" y="6079049"/>
-            <a:ext cx="10337674" cy="4321176"/>
+            <a:off x="1337643" y="6079048"/>
+            <a:ext cx="10337674" cy="4321177"/>
           </a:xfrm>
           <a:prstGeom prst="rect">
             <a:avLst/>
@@ -3979,7 +3979,7 @@
                   </a:tcPr>
                 </a:tc>
               </a:tr>
-              <a:tr h="1447370">
+              <a:tr h="1305890">
                 <a:tc>
                   <a:txBody>
                     <a:bodyPr/>
@@ -4282,7 +4282,7 @@
                   </a:tcPr>
                 </a:tc>
               </a:tr>
-              <a:tr h="1447370">
+              <a:tr h="1294449">
                 <a:tc>
                   <a:txBody>
                     <a:bodyPr/>
@@ -4585,7 +4585,7 @@
                   </a:tcPr>
                 </a:tc>
               </a:tr>
-              <a:tr h="1480101">
+              <a:tr h="1492565">
                 <a:tc>
                   <a:txBody>
                     <a:bodyPr/>
@@ -4867,7 +4867,7 @@
                   </a:tcPr>
                 </a:tc>
               </a:tr>
-              <a:tr h="968367">
+              <a:tr h="1250303">
                 <a:tc>
                   <a:txBody>
                     <a:bodyPr/>
@@ -5712,7 +5712,7 @@
         </p:nvSpPr>
         <p:spPr>
           <a:xfrm>
-            <a:off x="8982725" y="7546306"/>
+            <a:off x="8982726" y="7546306"/>
             <a:ext cx="5600494" cy="3629075"/>
           </a:xfrm>
           <a:prstGeom prst="roundRect">
@@ -6621,7 +6621,7 @@
         <p:spPr>
           <a:xfrm>
             <a:off x="18665433" y="5878985"/>
-            <a:ext cx="3684830" cy="1717676"/>
+            <a:ext cx="3684829" cy="1717676"/>
           </a:xfrm>
           <a:prstGeom prst="rect">
             <a:avLst/>
@@ -6665,7 +6665,7 @@
         </p:nvSpPr>
         <p:spPr>
           <a:xfrm>
-            <a:off x="18551191" y="5296247"/>
+            <a:off x="18551190" y="5296247"/>
             <a:ext cx="3862515" cy="650876"/>
           </a:xfrm>
           <a:prstGeom prst="rect">
@@ -6713,7 +6713,7 @@
         </p:nvSpPr>
         <p:spPr>
           <a:xfrm>
-            <a:off x="18591634" y="9024733"/>
+            <a:off x="18591633" y="9024733"/>
             <a:ext cx="3781629" cy="1717676"/>
           </a:xfrm>
           <a:prstGeom prst="rect">
@@ -6758,7 +6758,7 @@
         </p:nvSpPr>
         <p:spPr>
           <a:xfrm>
-            <a:off x="18669542" y="8441996"/>
+            <a:off x="18669541" y="8441996"/>
             <a:ext cx="3575013" cy="650876"/>
           </a:xfrm>
           <a:prstGeom prst="rect">
@@ -6857,7 +6857,7 @@
         </p:nvSpPr>
         <p:spPr>
           <a:xfrm>
-            <a:off x="5703064" y="6346743"/>
+            <a:off x="5703064" y="6346742"/>
             <a:ext cx="12609623" cy="2162176"/>
           </a:xfrm>
           <a:prstGeom prst="rect">
@@ -7801,8 +7801,8 @@
         </p:nvSpPr>
         <p:spPr>
           <a:xfrm>
-            <a:off x="18103321" y="5772645"/>
-            <a:ext cx="3610269" cy="1717676"/>
+            <a:off x="18103322" y="5772646"/>
+            <a:ext cx="3610268" cy="1717676"/>
           </a:xfrm>
           <a:prstGeom prst="rect">
             <a:avLst/>
@@ -7847,7 +7847,7 @@
         <p:spPr>
           <a:xfrm>
             <a:off x="17951798" y="5189908"/>
-            <a:ext cx="3862515" cy="650876"/>
+            <a:ext cx="3862516" cy="650876"/>
           </a:xfrm>
           <a:prstGeom prst="rect">
             <a:avLst/>
@@ -7895,7 +7895,7 @@
         <p:spPr>
           <a:xfrm>
             <a:off x="17860123" y="8918394"/>
-            <a:ext cx="4045865" cy="1717676"/>
+            <a:ext cx="4045866" cy="1717676"/>
           </a:xfrm>
           <a:prstGeom prst="rect">
             <a:avLst/>
@@ -7939,7 +7939,7 @@
         </p:nvSpPr>
         <p:spPr>
           <a:xfrm>
-            <a:off x="18070149" y="8335656"/>
+            <a:off x="18070150" y="8335657"/>
             <a:ext cx="3575013" cy="650876"/>
           </a:xfrm>
           <a:prstGeom prst="rect">
@@ -8299,8 +8299,8 @@
         </p:nvSpPr>
         <p:spPr>
           <a:xfrm>
-            <a:off x="18906073" y="6110131"/>
-            <a:ext cx="3862516" cy="650876"/>
+            <a:off x="18906074" y="6110131"/>
+            <a:ext cx="3862515" cy="650876"/>
           </a:xfrm>
           <a:prstGeom prst="rect">
             <a:avLst/>
@@ -8392,7 +8392,7 @@
         </p:nvSpPr>
         <p:spPr>
           <a:xfrm>
-            <a:off x="19024424" y="9255880"/>
+            <a:off x="19024425" y="9255880"/>
             <a:ext cx="3575013" cy="650876"/>
           </a:xfrm>
           <a:prstGeom prst="rect">
@@ -9836,8 +9836,8 @@
         </p:nvSpPr>
         <p:spPr>
           <a:xfrm>
-            <a:off x="3007186" y="6865435"/>
-            <a:ext cx="2060170" cy="1717676"/>
+            <a:off x="3007187" y="6865436"/>
+            <a:ext cx="2060169" cy="1717676"/>
           </a:xfrm>
           <a:prstGeom prst="rect">
             <a:avLst/>
@@ -10235,8 +10235,8 @@
         </p:nvSpPr>
         <p:spPr>
           <a:xfrm>
-            <a:off x="10308230" y="9708222"/>
-            <a:ext cx="3836569" cy="1717676"/>
+            <a:off x="10308229" y="9708222"/>
+            <a:ext cx="3836570" cy="1717676"/>
           </a:xfrm>
           <a:prstGeom prst="rect">
             <a:avLst/>
@@ -10280,7 +10280,7 @@
         </p:nvSpPr>
         <p:spPr>
           <a:xfrm>
-            <a:off x="9449259" y="9125485"/>
+            <a:off x="9449259" y="9125484"/>
             <a:ext cx="5503711" cy="650876"/>
           </a:xfrm>
           <a:prstGeom prst="rect">
@@ -10437,7 +10437,7 @@
         <p:spPr>
           <a:xfrm>
             <a:off x="2412768" y="5174811"/>
-            <a:ext cx="19576693" cy="4316095"/>
+            <a:ext cx="19576693" cy="4316096"/>
           </a:xfrm>
           <a:prstGeom prst="rect">
             <a:avLst/>
@@ -10650,7 +10650,7 @@
         <p:spPr>
           <a:xfrm>
             <a:off x="13307685" y="4487512"/>
-            <a:ext cx="8849552" cy="1423036"/>
+            <a:ext cx="8849551" cy="1423036"/>
           </a:xfrm>
           <a:prstGeom prst="rect">
             <a:avLst/>
@@ -10727,7 +10727,7 @@
         </p:blipFill>
         <p:spPr>
           <a:xfrm>
-            <a:off x="11282276" y="7780042"/>
+            <a:off x="11282277" y="7805442"/>
             <a:ext cx="10020301" cy="6108701"/>
           </a:xfrm>
           <a:prstGeom prst="rect">
@@ -10746,8 +10746,8 @@
         </p:nvSpPr>
         <p:spPr>
           <a:xfrm>
-            <a:off x="21529114" y="12837141"/>
-            <a:ext cx="2741905" cy="625476"/>
+            <a:off x="21529113" y="12837142"/>
+            <a:ext cx="2741906" cy="625476"/>
           </a:xfrm>
           <a:prstGeom prst="rect">
             <a:avLst/>
@@ -11691,8 +11691,8 @@
         </p:nvSpPr>
         <p:spPr>
           <a:xfrm>
-            <a:off x="20983026" y="12884627"/>
-            <a:ext cx="2741905" cy="625476"/>
+            <a:off x="20983025" y="12884627"/>
+            <a:ext cx="2741906" cy="625476"/>
           </a:xfrm>
           <a:prstGeom prst="rect">
             <a:avLst/>
@@ -12551,14 +12551,14 @@
       </p:sp>
       <p:sp>
         <p:nvSpPr>
-          <p:cNvPr id="147" name="39774"/>
+          <p:cNvPr id="147" name="39.774"/>
           <p:cNvSpPr txBox="1"/>
           <p:nvPr/>
         </p:nvSpPr>
         <p:spPr>
           <a:xfrm>
-            <a:off x="18269744" y="6792449"/>
-            <a:ext cx="3433675" cy="1717676"/>
+            <a:off x="18165750" y="6792449"/>
+            <a:ext cx="3641663" cy="1717676"/>
           </a:xfrm>
           <a:prstGeom prst="rect">
             <a:avLst/>
@@ -12589,7 +12589,7 @@
           <a:p>
             <a:pPr/>
             <a:r>
-              <a:t>39774</a:t>
+              <a:t>39.774</a:t>
             </a:r>
           </a:p>
         </p:txBody>
@@ -12739,14 +12739,14 @@
       </p:sp>
       <p:sp>
         <p:nvSpPr>
-          <p:cNvPr id="151" name="9944"/>
+          <p:cNvPr id="151" name="9.944"/>
           <p:cNvSpPr txBox="1"/>
           <p:nvPr/>
         </p:nvSpPr>
         <p:spPr>
           <a:xfrm>
-            <a:off x="18488743" y="10195611"/>
-            <a:ext cx="3046477" cy="1717676"/>
+            <a:off x="18397830" y="10195611"/>
+            <a:ext cx="3228303" cy="1717676"/>
           </a:xfrm>
           <a:prstGeom prst="rect">
             <a:avLst/>
@@ -12777,7 +12777,7 @@
           <a:p>
             <a:pPr/>
             <a:r>
-              <a:t>9944</a:t>
+              <a:t>9.944</a:t>
             </a:r>
           </a:p>
         </p:txBody>
@@ -13784,7 +13784,7 @@
         <p:spPr>
           <a:xfrm>
             <a:off x="1281484" y="9752692"/>
-            <a:ext cx="7556883" cy="2753739"/>
+            <a:ext cx="7556883" cy="2753738"/>
           </a:xfrm>
           <a:prstGeom prst="rect">
             <a:avLst/>
@@ -13877,8 +13877,8 @@
         </p:nvSpPr>
         <p:spPr>
           <a:xfrm>
-            <a:off x="5059925" y="11287960"/>
-            <a:ext cx="1" cy="326551"/>
+            <a:off x="5059925" y="11287961"/>
+            <a:ext cx="1" cy="326550"/>
           </a:xfrm>
           <a:prstGeom prst="line">
             <a:avLst/>
@@ -13970,7 +13970,7 @@
         </p:nvSpPr>
         <p:spPr>
           <a:xfrm>
-            <a:off x="14019766" y="5401566"/>
+            <a:off x="14019765" y="5401566"/>
             <a:ext cx="7709219" cy="701676"/>
           </a:xfrm>
           <a:prstGeom prst="rect">
@@ -14015,8 +14015,8 @@
         </p:nvSpPr>
         <p:spPr>
           <a:xfrm>
-            <a:off x="13980533" y="6765174"/>
-            <a:ext cx="6475173" cy="2753738"/>
+            <a:off x="13980532" y="6765174"/>
+            <a:ext cx="6475173" cy="2753739"/>
           </a:xfrm>
           <a:prstGeom prst="rect">
             <a:avLst/>
@@ -14308,7 +14308,7 @@
         </p:nvSpPr>
         <p:spPr>
           <a:xfrm>
-            <a:off x="2025914" y="5496146"/>
+            <a:off x="2025914" y="5496145"/>
             <a:ext cx="10020631" cy="1489076"/>
           </a:xfrm>
           <a:prstGeom prst="rect">
@@ -14356,7 +14356,7 @@
         <p:spPr>
           <a:xfrm>
             <a:off x="13498686" y="4520769"/>
-            <a:ext cx="4485158" cy="815976"/>
+            <a:ext cx="4485159" cy="815976"/>
           </a:xfrm>
           <a:prstGeom prst="rect">
             <a:avLst/>
@@ -14461,7 +14461,7 @@
         <p:spPr>
           <a:xfrm>
             <a:off x="3478199" y="8297397"/>
-            <a:ext cx="7550539" cy="825105"/>
+            <a:ext cx="7550539" cy="825104"/>
           </a:xfrm>
           <a:prstGeom prst="rect">
             <a:avLst/>
@@ -14506,7 +14506,7 @@
         <p:spPr>
           <a:xfrm>
             <a:off x="14147401" y="7844689"/>
-            <a:ext cx="8724111" cy="2451499"/>
+            <a:ext cx="8724110" cy="2451499"/>
           </a:xfrm>
           <a:prstGeom prst="rect">
             <a:avLst/>
@@ -14966,7 +14966,7 @@
         <p:spPr>
           <a:xfrm>
             <a:off x="13327976" y="4425797"/>
-            <a:ext cx="5687138" cy="815976"/>
+            <a:ext cx="5687137" cy="815976"/>
           </a:xfrm>
           <a:prstGeom prst="rect">
             <a:avLst/>
@@ -15113,8 +15113,8 @@
         </p:nvSpPr>
         <p:spPr>
           <a:xfrm>
-            <a:off x="13182060" y="9208430"/>
-            <a:ext cx="8619415" cy="701676"/>
+            <a:off x="13182061" y="9208430"/>
+            <a:ext cx="8619414" cy="701676"/>
           </a:xfrm>
           <a:prstGeom prst="rect">
             <a:avLst/>
@@ -15164,8 +15164,8 @@
         </p:nvSpPr>
         <p:spPr>
           <a:xfrm>
-            <a:off x="12916070" y="10042326"/>
-            <a:ext cx="9725956" cy="1799592"/>
+            <a:off x="12916071" y="10042326"/>
+            <a:ext cx="9725955" cy="1799592"/>
           </a:xfrm>
           <a:prstGeom prst="rect">
             <a:avLst/>
